--- a/lectures/2018-01-25 even more algorithm analysis/Algorithm Analysis - Lecture 3.pptx
+++ b/lectures/2018-01-25 even more algorithm analysis/Algorithm Analysis - Lecture 3.pptx
@@ -219,7 +219,7 @@
             <a:fld id="{E76CEC96-D513-4211-B4EA-4DC759961345}" type="datetimeFigureOut">
               <a:rPr lang="en-US" smtClean="0"/>
               <a:pPr/>
-              <a:t>9/12/2016</a:t>
+              <a:t>1/25/2018</a:t>
             </a:fld>
             <a:endParaRPr lang="en-US"/>
           </a:p>
@@ -945,7 +945,7 @@
             <a:fld id="{1D8BD707-D9CF-40AE-B4C6-C98DA3205C09}" type="datetimeFigureOut">
               <a:rPr lang="en-US" smtClean="0"/>
               <a:pPr/>
-              <a:t>9/12/2016</a:t>
+              <a:t>1/25/2018</a:t>
             </a:fld>
             <a:endParaRPr lang="en-US"/>
           </a:p>
@@ -1112,7 +1112,7 @@
             <a:fld id="{1D8BD707-D9CF-40AE-B4C6-C98DA3205C09}" type="datetimeFigureOut">
               <a:rPr lang="en-US" smtClean="0"/>
               <a:pPr/>
-              <a:t>9/12/2016</a:t>
+              <a:t>1/25/2018</a:t>
             </a:fld>
             <a:endParaRPr lang="en-US"/>
           </a:p>
@@ -1289,7 +1289,7 @@
             <a:fld id="{1D8BD707-D9CF-40AE-B4C6-C98DA3205C09}" type="datetimeFigureOut">
               <a:rPr lang="en-US" smtClean="0"/>
               <a:pPr/>
-              <a:t>9/12/2016</a:t>
+              <a:t>1/25/2018</a:t>
             </a:fld>
             <a:endParaRPr lang="en-US"/>
           </a:p>
@@ -1456,7 +1456,7 @@
             <a:fld id="{1D8BD707-D9CF-40AE-B4C6-C98DA3205C09}" type="datetimeFigureOut">
               <a:rPr lang="en-US" smtClean="0"/>
               <a:pPr/>
-              <a:t>9/12/2016</a:t>
+              <a:t>1/25/2018</a:t>
             </a:fld>
             <a:endParaRPr lang="en-US"/>
           </a:p>
@@ -1699,7 +1699,7 @@
             <a:fld id="{1D8BD707-D9CF-40AE-B4C6-C98DA3205C09}" type="datetimeFigureOut">
               <a:rPr lang="en-US" smtClean="0"/>
               <a:pPr/>
-              <a:t>9/12/2016</a:t>
+              <a:t>1/25/2018</a:t>
             </a:fld>
             <a:endParaRPr lang="en-US"/>
           </a:p>
@@ -1984,7 +1984,7 @@
             <a:fld id="{1D8BD707-D9CF-40AE-B4C6-C98DA3205C09}" type="datetimeFigureOut">
               <a:rPr lang="en-US" smtClean="0"/>
               <a:pPr/>
-              <a:t>9/12/2016</a:t>
+              <a:t>1/25/2018</a:t>
             </a:fld>
             <a:endParaRPr lang="en-US"/>
           </a:p>
@@ -2403,7 +2403,7 @@
             <a:fld id="{1D8BD707-D9CF-40AE-B4C6-C98DA3205C09}" type="datetimeFigureOut">
               <a:rPr lang="en-US" smtClean="0"/>
               <a:pPr/>
-              <a:t>9/12/2016</a:t>
+              <a:t>1/25/2018</a:t>
             </a:fld>
             <a:endParaRPr lang="en-US"/>
           </a:p>
@@ -2518,7 +2518,7 @@
             <a:fld id="{1D8BD707-D9CF-40AE-B4C6-C98DA3205C09}" type="datetimeFigureOut">
               <a:rPr lang="en-US" smtClean="0"/>
               <a:pPr/>
-              <a:t>9/12/2016</a:t>
+              <a:t>1/25/2018</a:t>
             </a:fld>
             <a:endParaRPr lang="en-US"/>
           </a:p>
@@ -2610,7 +2610,7 @@
             <a:fld id="{1D8BD707-D9CF-40AE-B4C6-C98DA3205C09}" type="datetimeFigureOut">
               <a:rPr lang="en-US" smtClean="0"/>
               <a:pPr/>
-              <a:t>9/12/2016</a:t>
+              <a:t>1/25/2018</a:t>
             </a:fld>
             <a:endParaRPr lang="en-US"/>
           </a:p>
@@ -2884,7 +2884,7 @@
             <a:fld id="{1D8BD707-D9CF-40AE-B4C6-C98DA3205C09}" type="datetimeFigureOut">
               <a:rPr lang="en-US" smtClean="0"/>
               <a:pPr/>
-              <a:t>9/12/2016</a:t>
+              <a:t>1/25/2018</a:t>
             </a:fld>
             <a:endParaRPr lang="en-US"/>
           </a:p>
@@ -3134,7 +3134,7 @@
             <a:fld id="{1D8BD707-D9CF-40AE-B4C6-C98DA3205C09}" type="datetimeFigureOut">
               <a:rPr lang="en-US" smtClean="0"/>
               <a:pPr/>
-              <a:t>9/12/2016</a:t>
+              <a:t>1/25/2018</a:t>
             </a:fld>
             <a:endParaRPr lang="en-US"/>
           </a:p>
@@ -3344,7 +3344,7 @@
             <a:fld id="{1D8BD707-D9CF-40AE-B4C6-C98DA3205C09}" type="datetimeFigureOut">
               <a:rPr lang="en-US" smtClean="0"/>
               <a:pPr/>
-              <a:t>9/12/2016</a:t>
+              <a:t>1/25/2018</a:t>
             </a:fld>
             <a:endParaRPr lang="en-US"/>
           </a:p>
@@ -3799,7 +3799,1001 @@
             <p:ph idx="1"/>
             <p:extLst>
               <p:ext uri="{D42A27DB-BD31-4B8C-83A1-F6EECF244321}">
-                <p14:modId xmlns:p14="http://schemas.microsoft.com/office/powerpoint/2010/main" val="158771810"/>
+                <p14:modId xmlns:p14="http://schemas.microsoft.com/office/powerpoint/2010/main" val="498934141"/>
+              </p:ext>
+            </p:extLst>
+          </p:nvPr>
+        </p:nvGraphicFramePr>
+        <p:xfrm>
+          <a:off x="0" y="457198"/>
+          <a:ext cx="9144002" cy="6005504"/>
+        </p:xfrm>
+        <a:graphic>
+          <a:graphicData uri="http://schemas.openxmlformats.org/drawingml/2006/table">
+            <a:tbl>
+              <a:tblPr firstRow="1" bandRow="1">
+                <a:tableStyleId>{5C22544A-7EE6-4342-B048-85BDC9FD1C3A}</a:tableStyleId>
+              </a:tblPr>
+              <a:tblGrid>
+                <a:gridCol w="1524000">
+                  <a:extLst>
+                    <a:ext uri="{9D8B030D-6E8A-4147-A177-3AD203B41FA5}">
+                      <a16:colId xmlns:a16="http://schemas.microsoft.com/office/drawing/2014/main" val="20000"/>
+                    </a:ext>
+                  </a:extLst>
+                </a:gridCol>
+                <a:gridCol w="1088572">
+                  <a:extLst>
+                    <a:ext uri="{9D8B030D-6E8A-4147-A177-3AD203B41FA5}">
+                      <a16:colId xmlns:a16="http://schemas.microsoft.com/office/drawing/2014/main" val="20001"/>
+                    </a:ext>
+                  </a:extLst>
+                </a:gridCol>
+                <a:gridCol w="1306286">
+                  <a:extLst>
+                    <a:ext uri="{9D8B030D-6E8A-4147-A177-3AD203B41FA5}">
+                      <a16:colId xmlns:a16="http://schemas.microsoft.com/office/drawing/2014/main" val="20002"/>
+                    </a:ext>
+                  </a:extLst>
+                </a:gridCol>
+                <a:gridCol w="1306286">
+                  <a:extLst>
+                    <a:ext uri="{9D8B030D-6E8A-4147-A177-3AD203B41FA5}">
+                      <a16:colId xmlns:a16="http://schemas.microsoft.com/office/drawing/2014/main" val="20003"/>
+                    </a:ext>
+                  </a:extLst>
+                </a:gridCol>
+                <a:gridCol w="1306286">
+                  <a:extLst>
+                    <a:ext uri="{9D8B030D-6E8A-4147-A177-3AD203B41FA5}">
+                      <a16:colId xmlns:a16="http://schemas.microsoft.com/office/drawing/2014/main" val="20004"/>
+                    </a:ext>
+                  </a:extLst>
+                </a:gridCol>
+                <a:gridCol w="1306286">
+                  <a:extLst>
+                    <a:ext uri="{9D8B030D-6E8A-4147-A177-3AD203B41FA5}">
+                      <a16:colId xmlns:a16="http://schemas.microsoft.com/office/drawing/2014/main" val="20005"/>
+                    </a:ext>
+                  </a:extLst>
+                </a:gridCol>
+                <a:gridCol w="1306286">
+                  <a:extLst>
+                    <a:ext uri="{9D8B030D-6E8A-4147-A177-3AD203B41FA5}">
+                      <a16:colId xmlns:a16="http://schemas.microsoft.com/office/drawing/2014/main" val="20006"/>
+                    </a:ext>
+                  </a:extLst>
+                </a:gridCol>
+              </a:tblGrid>
+              <a:tr h="796282">
+                <a:tc>
+                  <a:txBody>
+                    <a:bodyPr/>
+                    <a:lstStyle/>
+                    <a:p>
+                      <a:endParaRPr lang="en-US" dirty="0"/>
+                    </a:p>
+                  </a:txBody>
+                  <a:tcPr/>
+                </a:tc>
+                <a:tc>
+                  <a:txBody>
+                    <a:bodyPr/>
+                    <a:lstStyle/>
+                    <a:p>
+                      <a:r>
+                        <a:rPr lang="en-US" dirty="0" err="1" smtClean="0"/>
+                        <a:t>AddAtEnd</a:t>
+                      </a:r>
+                      <a:endParaRPr lang="en-US" dirty="0"/>
+                    </a:p>
+                  </a:txBody>
+                  <a:tcPr/>
+                </a:tc>
+                <a:tc>
+                  <a:txBody>
+                    <a:bodyPr/>
+                    <a:lstStyle/>
+                    <a:p>
+                      <a:r>
+                        <a:rPr lang="en-US" dirty="0" err="1" smtClean="0"/>
+                        <a:t>AddAt</a:t>
+                      </a:r>
+                      <a:endParaRPr lang="en-US" dirty="0"/>
+                    </a:p>
+                  </a:txBody>
+                  <a:tcPr/>
+                </a:tc>
+                <a:tc>
+                  <a:txBody>
+                    <a:bodyPr/>
+                    <a:lstStyle/>
+                    <a:p>
+                      <a:r>
+                        <a:rPr lang="en-US" dirty="0" err="1" smtClean="0"/>
+                        <a:t>RemoveAtEnd</a:t>
+                      </a:r>
+                      <a:endParaRPr lang="en-US" dirty="0"/>
+                    </a:p>
+                  </a:txBody>
+                  <a:tcPr/>
+                </a:tc>
+                <a:tc>
+                  <a:txBody>
+                    <a:bodyPr/>
+                    <a:lstStyle/>
+                    <a:p>
+                      <a:r>
+                        <a:rPr lang="en-US" dirty="0" err="1" smtClean="0"/>
+                        <a:t>RemoveAt</a:t>
+                      </a:r>
+                      <a:endParaRPr lang="en-US" dirty="0"/>
+                    </a:p>
+                  </a:txBody>
+                  <a:tcPr/>
+                </a:tc>
+                <a:tc>
+                  <a:txBody>
+                    <a:bodyPr/>
+                    <a:lstStyle/>
+                    <a:p>
+                      <a:r>
+                        <a:rPr lang="en-US" dirty="0" smtClean="0"/>
+                        <a:t>Find</a:t>
+                      </a:r>
+                      <a:endParaRPr lang="en-US" dirty="0"/>
+                    </a:p>
+                  </a:txBody>
+                  <a:tcPr/>
+                </a:tc>
+                <a:tc>
+                  <a:txBody>
+                    <a:bodyPr/>
+                    <a:lstStyle/>
+                    <a:p>
+                      <a:r>
+                        <a:rPr lang="en-US" dirty="0" smtClean="0"/>
+                        <a:t>Resize</a:t>
+                      </a:r>
+                      <a:endParaRPr lang="en-US" dirty="0"/>
+                    </a:p>
+                  </a:txBody>
+                  <a:tcPr/>
+                </a:tc>
+                <a:extLst>
+                  <a:ext uri="{0D108BD9-81ED-4DB2-BD59-A6C34878D82A}">
+                    <a16:rowId xmlns:a16="http://schemas.microsoft.com/office/drawing/2014/main" val="10000"/>
+                  </a:ext>
+                </a:extLst>
+              </a:tr>
+              <a:tr h="461338">
+                <a:tc>
+                  <a:txBody>
+                    <a:bodyPr/>
+                    <a:lstStyle/>
+                    <a:p>
+                      <a:r>
+                        <a:rPr lang="en-US" dirty="0" smtClean="0"/>
+                        <a:t>Vector</a:t>
+                      </a:r>
+                      <a:endParaRPr lang="en-US" dirty="0"/>
+                    </a:p>
+                  </a:txBody>
+                  <a:tcPr/>
+                </a:tc>
+                <a:tc>
+                  <a:txBody>
+                    <a:bodyPr/>
+                    <a:lstStyle/>
+                    <a:p>
+                      <a:r>
+                        <a:rPr lang="en-US" dirty="0" smtClean="0"/>
+                        <a:t>O(1)</a:t>
+                      </a:r>
+                      <a:endParaRPr lang="en-US" dirty="0"/>
+                    </a:p>
+                  </a:txBody>
+                  <a:tcPr/>
+                </a:tc>
+                <a:tc>
+                  <a:txBody>
+                    <a:bodyPr/>
+                    <a:lstStyle/>
+                    <a:p>
+                      <a:r>
+                        <a:rPr lang="en-US" dirty="0" smtClean="0"/>
+                        <a:t>O(N)</a:t>
+                      </a:r>
+                      <a:endParaRPr lang="en-US" dirty="0"/>
+                    </a:p>
+                  </a:txBody>
+                  <a:tcPr/>
+                </a:tc>
+                <a:tc>
+                  <a:txBody>
+                    <a:bodyPr/>
+                    <a:lstStyle/>
+                    <a:p>
+                      <a:r>
+                        <a:rPr lang="en-US" dirty="0" smtClean="0"/>
+                        <a:t>O(1)</a:t>
+                      </a:r>
+                      <a:endParaRPr lang="en-US" dirty="0"/>
+                    </a:p>
+                  </a:txBody>
+                  <a:tcPr/>
+                </a:tc>
+                <a:tc>
+                  <a:txBody>
+                    <a:bodyPr/>
+                    <a:lstStyle/>
+                    <a:p>
+                      <a:r>
+                        <a:rPr lang="en-US" dirty="0" smtClean="0"/>
+                        <a:t>O(n)</a:t>
+                      </a:r>
+                      <a:endParaRPr lang="en-US" dirty="0"/>
+                    </a:p>
+                  </a:txBody>
+                  <a:tcPr/>
+                </a:tc>
+                <a:tc>
+                  <a:txBody>
+                    <a:bodyPr/>
+                    <a:lstStyle/>
+                    <a:p>
+                      <a:r>
+                        <a:rPr lang="en-US" dirty="0" smtClean="0"/>
+                        <a:t>O(N)</a:t>
+                      </a:r>
+                      <a:endParaRPr lang="en-US" dirty="0"/>
+                    </a:p>
+                  </a:txBody>
+                  <a:tcPr/>
+                </a:tc>
+                <a:tc>
+                  <a:txBody>
+                    <a:bodyPr/>
+                    <a:lstStyle/>
+                    <a:p>
+                      <a:r>
+                        <a:rPr lang="en-US" dirty="0" smtClean="0"/>
+                        <a:t>O(N)</a:t>
+                      </a:r>
+                      <a:endParaRPr lang="en-US" dirty="0"/>
+                    </a:p>
+                  </a:txBody>
+                  <a:tcPr/>
+                </a:tc>
+                <a:extLst>
+                  <a:ext uri="{0D108BD9-81ED-4DB2-BD59-A6C34878D82A}">
+                    <a16:rowId xmlns:a16="http://schemas.microsoft.com/office/drawing/2014/main" val="10001"/>
+                  </a:ext>
+                </a:extLst>
+              </a:tr>
+              <a:tr h="461338">
+                <a:tc>
+                  <a:txBody>
+                    <a:bodyPr/>
+                    <a:lstStyle/>
+                    <a:p>
+                      <a:r>
+                        <a:rPr lang="en-US" dirty="0" smtClean="0"/>
+                        <a:t>Linked</a:t>
+                      </a:r>
+                      <a:r>
+                        <a:rPr lang="en-US" baseline="0" dirty="0" smtClean="0"/>
+                        <a:t> List</a:t>
+                      </a:r>
+                      <a:endParaRPr lang="en-US" dirty="0"/>
+                    </a:p>
+                  </a:txBody>
+                  <a:tcPr/>
+                </a:tc>
+                <a:tc>
+                  <a:txBody>
+                    <a:bodyPr/>
+                    <a:lstStyle/>
+                    <a:p>
+                      <a:r>
+                        <a:rPr lang="en-US" dirty="0" smtClean="0"/>
+                        <a:t>O(1) / O(N)</a:t>
+                      </a:r>
+                      <a:endParaRPr lang="en-US" dirty="0"/>
+                    </a:p>
+                  </a:txBody>
+                  <a:tcPr/>
+                </a:tc>
+                <a:tc>
+                  <a:txBody>
+                    <a:bodyPr/>
+                    <a:lstStyle/>
+                    <a:p>
+                      <a:r>
+                        <a:rPr lang="en-US" dirty="0" smtClean="0"/>
+                        <a:t>O(N)</a:t>
+                      </a:r>
+                      <a:endParaRPr lang="en-US" dirty="0"/>
+                    </a:p>
+                  </a:txBody>
+                  <a:tcPr/>
+                </a:tc>
+                <a:tc>
+                  <a:txBody>
+                    <a:bodyPr/>
+                    <a:lstStyle/>
+                    <a:p>
+                      <a:r>
+                        <a:rPr lang="en-US" dirty="0" smtClean="0"/>
+                        <a:t>O(1) / O(N)</a:t>
+                      </a:r>
+                      <a:endParaRPr lang="en-US" dirty="0"/>
+                    </a:p>
+                  </a:txBody>
+                  <a:tcPr/>
+                </a:tc>
+                <a:tc>
+                  <a:txBody>
+                    <a:bodyPr/>
+                    <a:lstStyle/>
+                    <a:p>
+                      <a:r>
+                        <a:rPr lang="en-US" dirty="0" smtClean="0"/>
+                        <a:t>O(N)</a:t>
+                      </a:r>
+                      <a:endParaRPr lang="en-US" dirty="0"/>
+                    </a:p>
+                  </a:txBody>
+                  <a:tcPr/>
+                </a:tc>
+                <a:tc>
+                  <a:txBody>
+                    <a:bodyPr/>
+                    <a:lstStyle/>
+                    <a:p>
+                      <a:r>
+                        <a:rPr lang="en-US" dirty="0" smtClean="0"/>
+                        <a:t>O(N)</a:t>
+                      </a:r>
+                      <a:endParaRPr lang="en-US" dirty="0"/>
+                    </a:p>
+                  </a:txBody>
+                  <a:tcPr/>
+                </a:tc>
+                <a:tc>
+                  <a:txBody>
+                    <a:bodyPr/>
+                    <a:lstStyle/>
+                    <a:p>
+                      <a:r>
+                        <a:rPr lang="en-US" dirty="0" smtClean="0"/>
+                        <a:t>N/A</a:t>
+                      </a:r>
+                      <a:endParaRPr lang="en-US" dirty="0"/>
+                    </a:p>
+                  </a:txBody>
+                  <a:tcPr/>
+                </a:tc>
+                <a:extLst>
+                  <a:ext uri="{0D108BD9-81ED-4DB2-BD59-A6C34878D82A}">
+                    <a16:rowId xmlns:a16="http://schemas.microsoft.com/office/drawing/2014/main" val="10002"/>
+                  </a:ext>
+                </a:extLst>
+              </a:tr>
+              <a:tr h="461338">
+                <a:tc>
+                  <a:txBody>
+                    <a:bodyPr/>
+                    <a:lstStyle/>
+                    <a:p>
+                      <a:r>
+                        <a:rPr lang="en-US" dirty="0" smtClean="0"/>
+                        <a:t>Stack-Vector</a:t>
+                      </a:r>
+                      <a:endParaRPr lang="en-US" dirty="0"/>
+                    </a:p>
+                  </a:txBody>
+                  <a:tcPr/>
+                </a:tc>
+                <a:tc>
+                  <a:txBody>
+                    <a:bodyPr/>
+                    <a:lstStyle/>
+                    <a:p>
+                      <a:endParaRPr lang="en-US" dirty="0"/>
+                    </a:p>
+                  </a:txBody>
+                  <a:tcPr/>
+                </a:tc>
+                <a:tc>
+                  <a:txBody>
+                    <a:bodyPr/>
+                    <a:lstStyle/>
+                    <a:p>
+                      <a:endParaRPr lang="en-US" dirty="0"/>
+                    </a:p>
+                  </a:txBody>
+                  <a:tcPr/>
+                </a:tc>
+                <a:tc>
+                  <a:txBody>
+                    <a:bodyPr/>
+                    <a:lstStyle/>
+                    <a:p>
+                      <a:endParaRPr lang="en-US" dirty="0"/>
+                    </a:p>
+                  </a:txBody>
+                  <a:tcPr/>
+                </a:tc>
+                <a:tc>
+                  <a:txBody>
+                    <a:bodyPr/>
+                    <a:lstStyle/>
+                    <a:p>
+                      <a:endParaRPr lang="en-US" dirty="0"/>
+                    </a:p>
+                  </a:txBody>
+                  <a:tcPr/>
+                </a:tc>
+                <a:tc>
+                  <a:txBody>
+                    <a:bodyPr/>
+                    <a:lstStyle/>
+                    <a:p>
+                      <a:endParaRPr lang="en-US" dirty="0"/>
+                    </a:p>
+                  </a:txBody>
+                  <a:tcPr/>
+                </a:tc>
+                <a:tc>
+                  <a:txBody>
+                    <a:bodyPr/>
+                    <a:lstStyle/>
+                    <a:p>
+                      <a:endParaRPr lang="en-US" dirty="0"/>
+                    </a:p>
+                  </a:txBody>
+                  <a:tcPr/>
+                </a:tc>
+                <a:extLst>
+                  <a:ext uri="{0D108BD9-81ED-4DB2-BD59-A6C34878D82A}">
+                    <a16:rowId xmlns:a16="http://schemas.microsoft.com/office/drawing/2014/main" val="10003"/>
+                  </a:ext>
+                </a:extLst>
+              </a:tr>
+              <a:tr h="796282">
+                <a:tc>
+                  <a:txBody>
+                    <a:bodyPr/>
+                    <a:lstStyle/>
+                    <a:p>
+                      <a:r>
+                        <a:rPr lang="en-US" dirty="0" smtClean="0"/>
+                        <a:t>Stack-Linked List</a:t>
+                      </a:r>
+                    </a:p>
+                  </a:txBody>
+                  <a:tcPr/>
+                </a:tc>
+                <a:tc>
+                  <a:txBody>
+                    <a:bodyPr/>
+                    <a:lstStyle/>
+                    <a:p>
+                      <a:endParaRPr lang="en-US" dirty="0"/>
+                    </a:p>
+                  </a:txBody>
+                  <a:tcPr/>
+                </a:tc>
+                <a:tc>
+                  <a:txBody>
+                    <a:bodyPr/>
+                    <a:lstStyle/>
+                    <a:p>
+                      <a:endParaRPr lang="en-US" dirty="0"/>
+                    </a:p>
+                  </a:txBody>
+                  <a:tcPr/>
+                </a:tc>
+                <a:tc>
+                  <a:txBody>
+                    <a:bodyPr/>
+                    <a:lstStyle/>
+                    <a:p>
+                      <a:endParaRPr lang="en-US" dirty="0"/>
+                    </a:p>
+                  </a:txBody>
+                  <a:tcPr/>
+                </a:tc>
+                <a:tc>
+                  <a:txBody>
+                    <a:bodyPr/>
+                    <a:lstStyle/>
+                    <a:p>
+                      <a:endParaRPr lang="en-US" dirty="0"/>
+                    </a:p>
+                  </a:txBody>
+                  <a:tcPr/>
+                </a:tc>
+                <a:tc>
+                  <a:txBody>
+                    <a:bodyPr/>
+                    <a:lstStyle/>
+                    <a:p>
+                      <a:endParaRPr lang="en-US" dirty="0"/>
+                    </a:p>
+                  </a:txBody>
+                  <a:tcPr/>
+                </a:tc>
+                <a:tc>
+                  <a:txBody>
+                    <a:bodyPr/>
+                    <a:lstStyle/>
+                    <a:p>
+                      <a:endParaRPr lang="en-US" dirty="0"/>
+                    </a:p>
+                  </a:txBody>
+                  <a:tcPr/>
+                </a:tc>
+                <a:extLst>
+                  <a:ext uri="{0D108BD9-81ED-4DB2-BD59-A6C34878D82A}">
+                    <a16:rowId xmlns:a16="http://schemas.microsoft.com/office/drawing/2014/main" val="10004"/>
+                  </a:ext>
+                </a:extLst>
+              </a:tr>
+              <a:tr h="796282">
+                <a:tc>
+                  <a:txBody>
+                    <a:bodyPr/>
+                    <a:lstStyle/>
+                    <a:p>
+                      <a:r>
+                        <a:rPr lang="en-US" dirty="0" smtClean="0"/>
+                        <a:t>Queue-Vector</a:t>
+                      </a:r>
+                      <a:endParaRPr lang="en-US" dirty="0"/>
+                    </a:p>
+                  </a:txBody>
+                  <a:tcPr/>
+                </a:tc>
+                <a:tc>
+                  <a:txBody>
+                    <a:bodyPr/>
+                    <a:lstStyle/>
+                    <a:p>
+                      <a:endParaRPr lang="en-US" dirty="0"/>
+                    </a:p>
+                  </a:txBody>
+                  <a:tcPr/>
+                </a:tc>
+                <a:tc>
+                  <a:txBody>
+                    <a:bodyPr/>
+                    <a:lstStyle/>
+                    <a:p>
+                      <a:endParaRPr lang="en-US" dirty="0"/>
+                    </a:p>
+                  </a:txBody>
+                  <a:tcPr/>
+                </a:tc>
+                <a:tc>
+                  <a:txBody>
+                    <a:bodyPr/>
+                    <a:lstStyle/>
+                    <a:p>
+                      <a:endParaRPr lang="en-US" dirty="0"/>
+                    </a:p>
+                  </a:txBody>
+                  <a:tcPr/>
+                </a:tc>
+                <a:tc>
+                  <a:txBody>
+                    <a:bodyPr/>
+                    <a:lstStyle/>
+                    <a:p>
+                      <a:endParaRPr lang="en-US" dirty="0"/>
+                    </a:p>
+                  </a:txBody>
+                  <a:tcPr/>
+                </a:tc>
+                <a:tc>
+                  <a:txBody>
+                    <a:bodyPr/>
+                    <a:lstStyle/>
+                    <a:p>
+                      <a:endParaRPr lang="en-US" dirty="0"/>
+                    </a:p>
+                  </a:txBody>
+                  <a:tcPr/>
+                </a:tc>
+                <a:tc>
+                  <a:txBody>
+                    <a:bodyPr/>
+                    <a:lstStyle/>
+                    <a:p>
+                      <a:endParaRPr lang="en-US" dirty="0"/>
+                    </a:p>
+                  </a:txBody>
+                  <a:tcPr/>
+                </a:tc>
+                <a:extLst>
+                  <a:ext uri="{0D108BD9-81ED-4DB2-BD59-A6C34878D82A}">
+                    <a16:rowId xmlns:a16="http://schemas.microsoft.com/office/drawing/2014/main" val="10005"/>
+                  </a:ext>
+                </a:extLst>
+              </a:tr>
+              <a:tr h="796282">
+                <a:tc>
+                  <a:txBody>
+                    <a:bodyPr/>
+                    <a:lstStyle/>
+                    <a:p>
+                      <a:r>
+                        <a:rPr lang="en-US" dirty="0" smtClean="0"/>
+                        <a:t>Queue-Linked</a:t>
+                      </a:r>
+                      <a:r>
+                        <a:rPr lang="en-US" baseline="0" dirty="0" smtClean="0"/>
+                        <a:t> List</a:t>
+                      </a:r>
+                      <a:endParaRPr lang="en-US" dirty="0"/>
+                    </a:p>
+                  </a:txBody>
+                  <a:tcPr/>
+                </a:tc>
+                <a:tc>
+                  <a:txBody>
+                    <a:bodyPr/>
+                    <a:lstStyle/>
+                    <a:p>
+                      <a:endParaRPr lang="en-US" dirty="0"/>
+                    </a:p>
+                  </a:txBody>
+                  <a:tcPr/>
+                </a:tc>
+                <a:tc>
+                  <a:txBody>
+                    <a:bodyPr/>
+                    <a:lstStyle/>
+                    <a:p>
+                      <a:endParaRPr lang="en-US" dirty="0"/>
+                    </a:p>
+                  </a:txBody>
+                  <a:tcPr/>
+                </a:tc>
+                <a:tc>
+                  <a:txBody>
+                    <a:bodyPr/>
+                    <a:lstStyle/>
+                    <a:p>
+                      <a:endParaRPr lang="en-US" dirty="0"/>
+                    </a:p>
+                  </a:txBody>
+                  <a:tcPr/>
+                </a:tc>
+                <a:tc>
+                  <a:txBody>
+                    <a:bodyPr/>
+                    <a:lstStyle/>
+                    <a:p>
+                      <a:endParaRPr lang="en-US" dirty="0"/>
+                    </a:p>
+                  </a:txBody>
+                  <a:tcPr/>
+                </a:tc>
+                <a:tc>
+                  <a:txBody>
+                    <a:bodyPr/>
+                    <a:lstStyle/>
+                    <a:p>
+                      <a:endParaRPr lang="en-US" dirty="0"/>
+                    </a:p>
+                  </a:txBody>
+                  <a:tcPr/>
+                </a:tc>
+                <a:tc>
+                  <a:txBody>
+                    <a:bodyPr/>
+                    <a:lstStyle/>
+                    <a:p>
+                      <a:endParaRPr lang="en-US" dirty="0"/>
+                    </a:p>
+                  </a:txBody>
+                  <a:tcPr/>
+                </a:tc>
+                <a:extLst>
+                  <a:ext uri="{0D108BD9-81ED-4DB2-BD59-A6C34878D82A}">
+                    <a16:rowId xmlns:a16="http://schemas.microsoft.com/office/drawing/2014/main" val="10006"/>
+                  </a:ext>
+                </a:extLst>
+              </a:tr>
+              <a:tr h="796282">
+                <a:tc>
+                  <a:txBody>
+                    <a:bodyPr/>
+                    <a:lstStyle/>
+                    <a:p>
+                      <a:r>
+                        <a:rPr lang="en-US" dirty="0" err="1" smtClean="0"/>
+                        <a:t>CircularQueue</a:t>
+                      </a:r>
+                      <a:endParaRPr lang="en-US" dirty="0"/>
+                    </a:p>
+                  </a:txBody>
+                  <a:tcPr/>
+                </a:tc>
+                <a:tc>
+                  <a:txBody>
+                    <a:bodyPr/>
+                    <a:lstStyle/>
+                    <a:p>
+                      <a:endParaRPr lang="en-US" dirty="0"/>
+                    </a:p>
+                  </a:txBody>
+                  <a:tcPr/>
+                </a:tc>
+                <a:tc>
+                  <a:txBody>
+                    <a:bodyPr/>
+                    <a:lstStyle/>
+                    <a:p>
+                      <a:endParaRPr lang="en-US" dirty="0"/>
+                    </a:p>
+                  </a:txBody>
+                  <a:tcPr/>
+                </a:tc>
+                <a:tc>
+                  <a:txBody>
+                    <a:bodyPr/>
+                    <a:lstStyle/>
+                    <a:p>
+                      <a:endParaRPr lang="en-US" dirty="0"/>
+                    </a:p>
+                  </a:txBody>
+                  <a:tcPr/>
+                </a:tc>
+                <a:tc>
+                  <a:txBody>
+                    <a:bodyPr/>
+                    <a:lstStyle/>
+                    <a:p>
+                      <a:endParaRPr lang="en-US" dirty="0"/>
+                    </a:p>
+                  </a:txBody>
+                  <a:tcPr/>
+                </a:tc>
+                <a:tc>
+                  <a:txBody>
+                    <a:bodyPr/>
+                    <a:lstStyle/>
+                    <a:p>
+                      <a:endParaRPr lang="en-US" dirty="0"/>
+                    </a:p>
+                  </a:txBody>
+                  <a:tcPr/>
+                </a:tc>
+                <a:tc>
+                  <a:txBody>
+                    <a:bodyPr/>
+                    <a:lstStyle/>
+                    <a:p>
+                      <a:endParaRPr lang="en-US" dirty="0"/>
+                    </a:p>
+                  </a:txBody>
+                  <a:tcPr/>
+                </a:tc>
+                <a:extLst>
+                  <a:ext uri="{0D108BD9-81ED-4DB2-BD59-A6C34878D82A}">
+                    <a16:rowId xmlns:a16="http://schemas.microsoft.com/office/drawing/2014/main" val="10007"/>
+                  </a:ext>
+                </a:extLst>
+              </a:tr>
+              <a:tr h="461338">
+                <a:tc>
+                  <a:txBody>
+                    <a:bodyPr/>
+                    <a:lstStyle/>
+                    <a:p>
+                      <a:r>
+                        <a:rPr lang="en-US" dirty="0" smtClean="0"/>
+                        <a:t>BST</a:t>
+                      </a:r>
+                      <a:endParaRPr lang="en-US" dirty="0"/>
+                    </a:p>
+                  </a:txBody>
+                  <a:tcPr/>
+                </a:tc>
+                <a:tc>
+                  <a:txBody>
+                    <a:bodyPr/>
+                    <a:lstStyle/>
+                    <a:p>
+                      <a:endParaRPr lang="en-US" dirty="0"/>
+                    </a:p>
+                  </a:txBody>
+                  <a:tcPr/>
+                </a:tc>
+                <a:tc>
+                  <a:txBody>
+                    <a:bodyPr/>
+                    <a:lstStyle/>
+                    <a:p>
+                      <a:endParaRPr lang="en-US" dirty="0"/>
+                    </a:p>
+                  </a:txBody>
+                  <a:tcPr/>
+                </a:tc>
+                <a:tc>
+                  <a:txBody>
+                    <a:bodyPr/>
+                    <a:lstStyle/>
+                    <a:p>
+                      <a:endParaRPr lang="en-US" dirty="0"/>
+                    </a:p>
+                  </a:txBody>
+                  <a:tcPr/>
+                </a:tc>
+                <a:tc>
+                  <a:txBody>
+                    <a:bodyPr/>
+                    <a:lstStyle/>
+                    <a:p>
+                      <a:endParaRPr lang="en-US" dirty="0"/>
+                    </a:p>
+                  </a:txBody>
+                  <a:tcPr/>
+                </a:tc>
+                <a:tc>
+                  <a:txBody>
+                    <a:bodyPr/>
+                    <a:lstStyle/>
+                    <a:p>
+                      <a:endParaRPr lang="en-US" dirty="0"/>
+                    </a:p>
+                  </a:txBody>
+                  <a:tcPr/>
+                </a:tc>
+                <a:tc>
+                  <a:txBody>
+                    <a:bodyPr/>
+                    <a:lstStyle/>
+                    <a:p>
+                      <a:endParaRPr lang="en-US" dirty="0"/>
+                    </a:p>
+                  </a:txBody>
+                  <a:tcPr/>
+                </a:tc>
+                <a:extLst>
+                  <a:ext uri="{0D108BD9-81ED-4DB2-BD59-A6C34878D82A}">
+                    <a16:rowId xmlns:a16="http://schemas.microsoft.com/office/drawing/2014/main" val="10008"/>
+                  </a:ext>
+                </a:extLst>
+              </a:tr>
+            </a:tbl>
+          </a:graphicData>
+        </a:graphic>
+      </p:graphicFrame>
+      <p:sp>
+        <p:nvSpPr>
+          <p:cNvPr id="5" name="TextBox 4"/>
+          <p:cNvSpPr txBox="1"/>
+          <p:nvPr/>
+        </p:nvSpPr>
+        <p:spPr>
+          <a:xfrm>
+            <a:off x="838200" y="0"/>
+            <a:ext cx="5105115" cy="553998"/>
+          </a:xfrm>
+          <a:prstGeom prst="rect">
+            <a:avLst/>
+          </a:prstGeom>
+          <a:noFill/>
+        </p:spPr>
+        <p:txBody>
+          <a:bodyPr wrap="none" rtlCol="0">
+            <a:spAutoFit/>
+          </a:bodyPr>
+          <a:lstStyle/>
+          <a:p>
+            <a:r>
+              <a:rPr lang="en-US" sz="3000" dirty="0" smtClean="0"/>
+              <a:t>Class Exercise: Time Complexity</a:t>
+            </a:r>
+            <a:endParaRPr lang="en-US" sz="3000" dirty="0"/>
+          </a:p>
+        </p:txBody>
+      </p:sp>
+    </p:spTree>
+  </p:cSld>
+  <p:clrMapOvr>
+    <a:masterClrMapping/>
+  </p:clrMapOvr>
+  <p:timing>
+    <p:tnLst>
+      <p:par>
+        <p:cTn id="1" dur="indefinite" restart="never" nodeType="tmRoot"/>
+      </p:par>
+    </p:tnLst>
+  </p:timing>
+</p:sld>
+</file>
+
+<file path=ppt/slides/slide11.xml><?xml version="1.0" encoding="utf-8"?>
+<p:sld xmlns:a="http://schemas.openxmlformats.org/drawingml/2006/main" xmlns:r="http://schemas.openxmlformats.org/officeDocument/2006/relationships" xmlns:p="http://schemas.openxmlformats.org/presentationml/2006/main">
+  <p:cSld>
+    <p:spTree>
+      <p:nvGrpSpPr>
+        <p:cNvPr id="1" name=""/>
+        <p:cNvGrpSpPr/>
+        <p:nvPr/>
+      </p:nvGrpSpPr>
+      <p:grpSpPr>
+        <a:xfrm>
+          <a:off x="0" y="0"/>
+          <a:ext cx="0" cy="0"/>
+          <a:chOff x="0" y="0"/>
+          <a:chExt cx="0" cy="0"/>
+        </a:xfrm>
+      </p:grpSpPr>
+      <p:sp>
+        <p:nvSpPr>
+          <p:cNvPr id="5" name="TextBox 4"/>
+          <p:cNvSpPr txBox="1"/>
+          <p:nvPr/>
+        </p:nvSpPr>
+        <p:spPr>
+          <a:xfrm>
+            <a:off x="838200" y="0"/>
+            <a:ext cx="5332742" cy="553998"/>
+          </a:xfrm>
+          <a:prstGeom prst="rect">
+            <a:avLst/>
+          </a:prstGeom>
+          <a:noFill/>
+        </p:spPr>
+        <p:txBody>
+          <a:bodyPr wrap="none" rtlCol="0">
+            <a:spAutoFit/>
+          </a:bodyPr>
+          <a:lstStyle/>
+          <a:p>
+            <a:r>
+              <a:rPr lang="en-US" sz="3000" dirty="0" smtClean="0"/>
+              <a:t>Class Exercise: Space Complexity</a:t>
+            </a:r>
+            <a:endParaRPr lang="en-US" sz="3000" dirty="0"/>
+          </a:p>
+        </p:txBody>
+      </p:sp>
+      <p:sp>
+        <p:nvSpPr>
+          <p:cNvPr id="6" name="Content Placeholder 5"/>
+          <p:cNvSpPr>
+            <a:spLocks noGrp="1"/>
+          </p:cNvSpPr>
+          <p:nvPr>
+            <p:ph idx="1"/>
+          </p:nvPr>
+        </p:nvSpPr>
+        <p:spPr/>
+        <p:txBody>
+          <a:bodyPr/>
+          <a:lstStyle/>
+          <a:p>
+            <a:endParaRPr lang="en-US"/>
+          </a:p>
+        </p:txBody>
+      </p:sp>
+      <p:graphicFrame>
+        <p:nvGraphicFramePr>
+          <p:cNvPr id="8" name="Content Placeholder 3"/>
+          <p:cNvGraphicFramePr>
+            <a:graphicFrameLocks/>
+          </p:cNvGraphicFramePr>
+          <p:nvPr>
+            <p:extLst>
+              <p:ext uri="{D42A27DB-BD31-4B8C-83A1-F6EECF244321}">
+                <p14:modId xmlns:p14="http://schemas.microsoft.com/office/powerpoint/2010/main" val="26972924"/>
               </p:ext>
             </p:extLst>
           </p:nvPr>
@@ -3882,12 +4876,8 @@
                     <a:lstStyle/>
                     <a:p>
                       <a:r>
-                        <a:rPr lang="en-US" dirty="0" smtClean="0"/>
-                        <a:t>Add</a:t>
-                      </a:r>
-                      <a:r>
-                        <a:rPr lang="en-US" baseline="0" dirty="0" smtClean="0"/>
-                        <a:t> / Push</a:t>
+                        <a:rPr lang="en-US" dirty="0" err="1" smtClean="0"/>
+                        <a:t>AddAtEnd</a:t>
                       </a:r>
                       <a:endParaRPr lang="en-US" dirty="0"/>
                     </a:p>
@@ -3914,8 +4904,8 @@
                     <a:lstStyle/>
                     <a:p>
                       <a:r>
-                        <a:rPr lang="en-US" dirty="0" smtClean="0"/>
-                        <a:t>Remove / Pop</a:t>
+                        <a:rPr lang="en-US" dirty="0" err="1" smtClean="0"/>
+                        <a:t>RemoveAtEnd</a:t>
                       </a:r>
                       <a:endParaRPr lang="en-US" dirty="0"/>
                     </a:p>
@@ -3990,56 +4980,80 @@
                     <a:bodyPr/>
                     <a:lstStyle/>
                     <a:p>
-                      <a:endParaRPr lang="en-US" dirty="0"/>
-                    </a:p>
-                  </a:txBody>
-                  <a:tcPr/>
-                </a:tc>
-                <a:tc>
-                  <a:txBody>
-                    <a:bodyPr/>
-                    <a:lstStyle/>
-                    <a:p>
-                      <a:endParaRPr lang="en-US" dirty="0"/>
-                    </a:p>
-                  </a:txBody>
-                  <a:tcPr/>
-                </a:tc>
-                <a:tc>
-                  <a:txBody>
-                    <a:bodyPr/>
-                    <a:lstStyle/>
-                    <a:p>
-                      <a:endParaRPr lang="en-US" dirty="0"/>
-                    </a:p>
-                  </a:txBody>
-                  <a:tcPr/>
-                </a:tc>
-                <a:tc>
-                  <a:txBody>
-                    <a:bodyPr/>
-                    <a:lstStyle/>
-                    <a:p>
-                      <a:endParaRPr lang="en-US" dirty="0"/>
-                    </a:p>
-                  </a:txBody>
-                  <a:tcPr/>
-                </a:tc>
-                <a:tc>
-                  <a:txBody>
-                    <a:bodyPr/>
-                    <a:lstStyle/>
-                    <a:p>
-                      <a:endParaRPr lang="en-US" dirty="0"/>
-                    </a:p>
-                  </a:txBody>
-                  <a:tcPr/>
-                </a:tc>
-                <a:tc>
-                  <a:txBody>
-                    <a:bodyPr/>
-                    <a:lstStyle/>
-                    <a:p>
+                      <a:r>
+                        <a:rPr lang="en-US" dirty="0" smtClean="0"/>
+                        <a:t>O(1)</a:t>
+                      </a:r>
+                      <a:endParaRPr lang="en-US" dirty="0"/>
+                    </a:p>
+                  </a:txBody>
+                  <a:tcPr/>
+                </a:tc>
+                <a:tc>
+                  <a:txBody>
+                    <a:bodyPr/>
+                    <a:lstStyle/>
+                    <a:p>
+                      <a:r>
+                        <a:rPr lang="en-US" dirty="0" smtClean="0"/>
+                        <a:t>O(1)</a:t>
+                      </a:r>
+                      <a:endParaRPr lang="en-US" dirty="0"/>
+                    </a:p>
+                  </a:txBody>
+                  <a:tcPr/>
+                </a:tc>
+                <a:tc>
+                  <a:txBody>
+                    <a:bodyPr/>
+                    <a:lstStyle/>
+                    <a:p>
+                      <a:r>
+                        <a:rPr lang="en-US" dirty="0" smtClean="0"/>
+                        <a:t>O(1)</a:t>
+                      </a:r>
+                      <a:endParaRPr lang="en-US" dirty="0"/>
+                    </a:p>
+                  </a:txBody>
+                  <a:tcPr/>
+                </a:tc>
+                <a:tc>
+                  <a:txBody>
+                    <a:bodyPr/>
+                    <a:lstStyle/>
+                    <a:p>
+                      <a:r>
+                        <a:rPr lang="en-US" dirty="0" smtClean="0"/>
+                        <a:t>O(1)</a:t>
+                      </a:r>
+                      <a:endParaRPr lang="en-US" dirty="0"/>
+                    </a:p>
+                  </a:txBody>
+                  <a:tcPr/>
+                </a:tc>
+                <a:tc>
+                  <a:txBody>
+                    <a:bodyPr/>
+                    <a:lstStyle/>
+                    <a:p>
+                      <a:r>
+                        <a:rPr lang="en-US" dirty="0" smtClean="0"/>
+                        <a:t>O(1)</a:t>
+                      </a:r>
+                      <a:endParaRPr lang="en-US" dirty="0"/>
+                    </a:p>
+                  </a:txBody>
+                  <a:tcPr/>
+                </a:tc>
+                <a:tc>
+                  <a:txBody>
+                    <a:bodyPr/>
+                    <a:lstStyle/>
+                    <a:p>
+                      <a:r>
+                        <a:rPr lang="en-US" dirty="0" smtClean="0"/>
+                        <a:t>O(N)</a:t>
+                      </a:r>
                       <a:endParaRPr lang="en-US" dirty="0"/>
                     </a:p>
                   </a:txBody>
@@ -4075,149 +5089,15 @@
                     <a:bodyPr/>
                     <a:lstStyle/>
                     <a:p>
-                      <a:endParaRPr lang="en-US" dirty="0"/>
-                    </a:p>
-                  </a:txBody>
-                  <a:tcPr/>
-                </a:tc>
-                <a:tc>
-                  <a:txBody>
-                    <a:bodyPr/>
-                    <a:lstStyle/>
-                    <a:p>
-                      <a:endParaRPr lang="en-US" dirty="0"/>
-                    </a:p>
-                  </a:txBody>
-                  <a:tcPr/>
-                </a:tc>
-                <a:tc>
-                  <a:txBody>
-                    <a:bodyPr/>
-                    <a:lstStyle/>
-                    <a:p>
-                      <a:endParaRPr lang="en-US" dirty="0"/>
-                    </a:p>
-                  </a:txBody>
-                  <a:tcPr/>
-                </a:tc>
-                <a:tc>
-                  <a:txBody>
-                    <a:bodyPr/>
-                    <a:lstStyle/>
-                    <a:p>
-                      <a:endParaRPr lang="en-US" dirty="0"/>
-                    </a:p>
-                  </a:txBody>
-                  <a:tcPr/>
-                </a:tc>
-                <a:tc>
-                  <a:txBody>
-                    <a:bodyPr/>
-                    <a:lstStyle/>
-                    <a:p>
-                      <a:endParaRPr lang="en-US" dirty="0"/>
-                    </a:p>
-                  </a:txBody>
-                  <a:tcPr/>
-                </a:tc>
-                <a:tc>
-                  <a:txBody>
-                    <a:bodyPr/>
-                    <a:lstStyle/>
-                    <a:p>
-                      <a:endParaRPr lang="en-US" dirty="0"/>
-                    </a:p>
-                  </a:txBody>
-                  <a:tcPr/>
-                </a:tc>
-                <a:extLst>
-                  <a:ext uri="{0D108BD9-81ED-4DB2-BD59-A6C34878D82A}">
-                    <a16:rowId xmlns:a16="http://schemas.microsoft.com/office/drawing/2014/main" val="10002"/>
-                  </a:ext>
-                </a:extLst>
-              </a:tr>
-              <a:tr h="461338">
-                <a:tc>
-                  <a:txBody>
-                    <a:bodyPr/>
-                    <a:lstStyle/>
-                    <a:p>
                       <a:r>
                         <a:rPr lang="en-US" dirty="0" smtClean="0"/>
-                        <a:t>Stack-Vector</a:t>
+                        <a:t>O(1)</a:t>
                       </a:r>
                       <a:endParaRPr lang="en-US" dirty="0"/>
                     </a:p>
                   </a:txBody>
                   <a:tcPr/>
                 </a:tc>
-                <a:tc>
-                  <a:txBody>
-                    <a:bodyPr/>
-                    <a:lstStyle/>
-                    <a:p>
-                      <a:endParaRPr lang="en-US" dirty="0"/>
-                    </a:p>
-                  </a:txBody>
-                  <a:tcPr/>
-                </a:tc>
-                <a:tc>
-                  <a:txBody>
-                    <a:bodyPr/>
-                    <a:lstStyle/>
-                    <a:p>
-                      <a:endParaRPr lang="en-US" dirty="0"/>
-                    </a:p>
-                  </a:txBody>
-                  <a:tcPr/>
-                </a:tc>
-                <a:tc>
-                  <a:txBody>
-                    <a:bodyPr/>
-                    <a:lstStyle/>
-                    <a:p>
-                      <a:endParaRPr lang="en-US" dirty="0"/>
-                    </a:p>
-                  </a:txBody>
-                  <a:tcPr/>
-                </a:tc>
-                <a:tc>
-                  <a:txBody>
-                    <a:bodyPr/>
-                    <a:lstStyle/>
-                    <a:p>
-                      <a:endParaRPr lang="en-US" dirty="0"/>
-                    </a:p>
-                  </a:txBody>
-                  <a:tcPr/>
-                </a:tc>
-                <a:tc>
-                  <a:txBody>
-                    <a:bodyPr/>
-                    <a:lstStyle/>
-                    <a:p>
-                      <a:endParaRPr lang="en-US" dirty="0"/>
-                    </a:p>
-                  </a:txBody>
-                  <a:tcPr/>
-                </a:tc>
-                <a:tc>
-                  <a:txBody>
-                    <a:bodyPr/>
-                    <a:lstStyle/>
-                    <a:p>
-                      <a:endParaRPr lang="en-US" dirty="0"/>
-                    </a:p>
-                  </a:txBody>
-                  <a:tcPr/>
-                </a:tc>
-                <a:extLst>
-                  <a:ext uri="{0D108BD9-81ED-4DB2-BD59-A6C34878D82A}">
-                    <a16:rowId xmlns:a16="http://schemas.microsoft.com/office/drawing/2014/main" val="10003"/>
-                  </a:ext>
-                </a:extLst>
-              </a:tr>
-              <a:tr h="796282">
                 <a:tc>
                   <a:txBody>
                     <a:bodyPr/>
@@ -4225,79 +5105,13 @@
                     <a:p>
                       <a:r>
                         <a:rPr lang="en-US" dirty="0" smtClean="0"/>
-                        <a:t>Stack-Linked List</a:t>
+                        <a:t>O(1)</a:t>
                       </a:r>
-                    </a:p>
-                  </a:txBody>
-                  <a:tcPr/>
-                </a:tc>
-                <a:tc>
-                  <a:txBody>
-                    <a:bodyPr/>
-                    <a:lstStyle/>
-                    <a:p>
-                      <a:endParaRPr lang="en-US" dirty="0"/>
-                    </a:p>
-                  </a:txBody>
-                  <a:tcPr/>
-                </a:tc>
-                <a:tc>
-                  <a:txBody>
-                    <a:bodyPr/>
-                    <a:lstStyle/>
-                    <a:p>
-                      <a:endParaRPr lang="en-US" dirty="0"/>
-                    </a:p>
-                  </a:txBody>
-                  <a:tcPr/>
-                </a:tc>
-                <a:tc>
-                  <a:txBody>
-                    <a:bodyPr/>
-                    <a:lstStyle/>
-                    <a:p>
-                      <a:endParaRPr lang="en-US" dirty="0"/>
-                    </a:p>
-                  </a:txBody>
-                  <a:tcPr/>
-                </a:tc>
-                <a:tc>
-                  <a:txBody>
-                    <a:bodyPr/>
-                    <a:lstStyle/>
-                    <a:p>
-                      <a:endParaRPr lang="en-US" dirty="0"/>
-                    </a:p>
-                  </a:txBody>
-                  <a:tcPr/>
-                </a:tc>
-                <a:tc>
-                  <a:txBody>
-                    <a:bodyPr/>
-                    <a:lstStyle/>
-                    <a:p>
-                      <a:endParaRPr lang="en-US" dirty="0"/>
-                    </a:p>
-                  </a:txBody>
-                  <a:tcPr/>
-                </a:tc>
-                <a:tc>
-                  <a:txBody>
-                    <a:bodyPr/>
-                    <a:lstStyle/>
-                    <a:p>
-                      <a:endParaRPr lang="en-US" dirty="0"/>
-                    </a:p>
-                  </a:txBody>
-                  <a:tcPr/>
-                </a:tc>
-                <a:extLst>
-                  <a:ext uri="{0D108BD9-81ED-4DB2-BD59-A6C34878D82A}">
-                    <a16:rowId xmlns:a16="http://schemas.microsoft.com/office/drawing/2014/main" val="10004"/>
-                  </a:ext>
-                </a:extLst>
-              </a:tr>
-              <a:tr h="796282">
+                      <a:endParaRPr lang="en-US" dirty="0"/>
+                    </a:p>
+                  </a:txBody>
+                  <a:tcPr/>
+                </a:tc>
                 <a:tc>
                   <a:txBody>
                     <a:bodyPr/>
@@ -4305,80 +5119,13 @@
                     <a:p>
                       <a:r>
                         <a:rPr lang="en-US" dirty="0" smtClean="0"/>
-                        <a:t>Queue-Vector</a:t>
+                        <a:t>O(1)</a:t>
                       </a:r>
                       <a:endParaRPr lang="en-US" dirty="0"/>
                     </a:p>
                   </a:txBody>
                   <a:tcPr/>
                 </a:tc>
-                <a:tc>
-                  <a:txBody>
-                    <a:bodyPr/>
-                    <a:lstStyle/>
-                    <a:p>
-                      <a:endParaRPr lang="en-US" dirty="0"/>
-                    </a:p>
-                  </a:txBody>
-                  <a:tcPr/>
-                </a:tc>
-                <a:tc>
-                  <a:txBody>
-                    <a:bodyPr/>
-                    <a:lstStyle/>
-                    <a:p>
-                      <a:endParaRPr lang="en-US" dirty="0"/>
-                    </a:p>
-                  </a:txBody>
-                  <a:tcPr/>
-                </a:tc>
-                <a:tc>
-                  <a:txBody>
-                    <a:bodyPr/>
-                    <a:lstStyle/>
-                    <a:p>
-                      <a:endParaRPr lang="en-US" dirty="0"/>
-                    </a:p>
-                  </a:txBody>
-                  <a:tcPr/>
-                </a:tc>
-                <a:tc>
-                  <a:txBody>
-                    <a:bodyPr/>
-                    <a:lstStyle/>
-                    <a:p>
-                      <a:endParaRPr lang="en-US" dirty="0"/>
-                    </a:p>
-                  </a:txBody>
-                  <a:tcPr/>
-                </a:tc>
-                <a:tc>
-                  <a:txBody>
-                    <a:bodyPr/>
-                    <a:lstStyle/>
-                    <a:p>
-                      <a:endParaRPr lang="en-US" dirty="0"/>
-                    </a:p>
-                  </a:txBody>
-                  <a:tcPr/>
-                </a:tc>
-                <a:tc>
-                  <a:txBody>
-                    <a:bodyPr/>
-                    <a:lstStyle/>
-                    <a:p>
-                      <a:endParaRPr lang="en-US" dirty="0"/>
-                    </a:p>
-                  </a:txBody>
-                  <a:tcPr/>
-                </a:tc>
-                <a:extLst>
-                  <a:ext uri="{0D108BD9-81ED-4DB2-BD59-A6C34878D82A}">
-                    <a16:rowId xmlns:a16="http://schemas.microsoft.com/office/drawing/2014/main" val="10005"/>
-                  </a:ext>
-                </a:extLst>
-              </a:tr>
-              <a:tr h="796282">
                 <a:tc>
                   <a:txBody>
                     <a:bodyPr/>
@@ -4386,165 +5133,13 @@
                     <a:p>
                       <a:r>
                         <a:rPr lang="en-US" dirty="0" smtClean="0"/>
-                        <a:t>Queue-Linked</a:t>
+                        <a:t>O(1)</a:t>
                       </a:r>
-                      <a:r>
-                        <a:rPr lang="en-US" baseline="0" dirty="0" smtClean="0"/>
-                        <a:t> List</a:t>
-                      </a:r>
-                      <a:endParaRPr lang="en-US" dirty="0"/>
-                    </a:p>
-                  </a:txBody>
-                  <a:tcPr/>
-                </a:tc>
-                <a:tc>
-                  <a:txBody>
-                    <a:bodyPr/>
-                    <a:lstStyle/>
-                    <a:p>
-                      <a:endParaRPr lang="en-US" dirty="0"/>
-                    </a:p>
-                  </a:txBody>
-                  <a:tcPr/>
-                </a:tc>
-                <a:tc>
-                  <a:txBody>
-                    <a:bodyPr/>
-                    <a:lstStyle/>
-                    <a:p>
-                      <a:endParaRPr lang="en-US" dirty="0"/>
-                    </a:p>
-                  </a:txBody>
-                  <a:tcPr/>
-                </a:tc>
-                <a:tc>
-                  <a:txBody>
-                    <a:bodyPr/>
-                    <a:lstStyle/>
-                    <a:p>
-                      <a:endParaRPr lang="en-US" dirty="0"/>
-                    </a:p>
-                  </a:txBody>
-                  <a:tcPr/>
-                </a:tc>
-                <a:tc>
-                  <a:txBody>
-                    <a:bodyPr/>
-                    <a:lstStyle/>
-                    <a:p>
-                      <a:endParaRPr lang="en-US" dirty="0"/>
-                    </a:p>
-                  </a:txBody>
-                  <a:tcPr/>
-                </a:tc>
-                <a:tc>
-                  <a:txBody>
-                    <a:bodyPr/>
-                    <a:lstStyle/>
-                    <a:p>
-                      <a:endParaRPr lang="en-US" dirty="0"/>
-                    </a:p>
-                  </a:txBody>
-                  <a:tcPr/>
-                </a:tc>
-                <a:tc>
-                  <a:txBody>
-                    <a:bodyPr/>
-                    <a:lstStyle/>
-                    <a:p>
-                      <a:endParaRPr lang="en-US" dirty="0"/>
-                    </a:p>
-                  </a:txBody>
-                  <a:tcPr/>
-                </a:tc>
-                <a:extLst>
-                  <a:ext uri="{0D108BD9-81ED-4DB2-BD59-A6C34878D82A}">
-                    <a16:rowId xmlns:a16="http://schemas.microsoft.com/office/drawing/2014/main" val="10006"/>
-                  </a:ext>
-                </a:extLst>
-              </a:tr>
-              <a:tr h="796282">
-                <a:tc>
-                  <a:txBody>
-                    <a:bodyPr/>
-                    <a:lstStyle/>
-                    <a:p>
-                      <a:r>
-                        <a:rPr lang="en-US" dirty="0" err="1" smtClean="0"/>
-                        <a:t>CircularQueue</a:t>
-                      </a:r>
-                      <a:endParaRPr lang="en-US" dirty="0"/>
-                    </a:p>
-                  </a:txBody>
-                  <a:tcPr/>
-                </a:tc>
-                <a:tc>
-                  <a:txBody>
-                    <a:bodyPr/>
-                    <a:lstStyle/>
-                    <a:p>
-                      <a:endParaRPr lang="en-US" dirty="0"/>
-                    </a:p>
-                  </a:txBody>
-                  <a:tcPr/>
-                </a:tc>
-                <a:tc>
-                  <a:txBody>
-                    <a:bodyPr/>
-                    <a:lstStyle/>
-                    <a:p>
-                      <a:endParaRPr lang="en-US" dirty="0"/>
-                    </a:p>
-                  </a:txBody>
-                  <a:tcPr/>
-                </a:tc>
-                <a:tc>
-                  <a:txBody>
-                    <a:bodyPr/>
-                    <a:lstStyle/>
-                    <a:p>
-                      <a:endParaRPr lang="en-US" dirty="0"/>
-                    </a:p>
-                  </a:txBody>
-                  <a:tcPr/>
-                </a:tc>
-                <a:tc>
-                  <a:txBody>
-                    <a:bodyPr/>
-                    <a:lstStyle/>
-                    <a:p>
-                      <a:endParaRPr lang="en-US" dirty="0"/>
-                    </a:p>
-                  </a:txBody>
-                  <a:tcPr/>
-                </a:tc>
-                <a:tc>
-                  <a:txBody>
-                    <a:bodyPr/>
-                    <a:lstStyle/>
-                    <a:p>
-                      <a:endParaRPr lang="en-US" dirty="0"/>
-                    </a:p>
-                  </a:txBody>
-                  <a:tcPr/>
-                </a:tc>
-                <a:tc>
-                  <a:txBody>
-                    <a:bodyPr/>
-                    <a:lstStyle/>
-                    <a:p>
-                      <a:endParaRPr lang="en-US" dirty="0"/>
-                    </a:p>
-                  </a:txBody>
-                  <a:tcPr/>
-                </a:tc>
-                <a:extLst>
-                  <a:ext uri="{0D108BD9-81ED-4DB2-BD59-A6C34878D82A}">
-                    <a16:rowId xmlns:a16="http://schemas.microsoft.com/office/drawing/2014/main" val="10007"/>
-                  </a:ext>
-                </a:extLst>
-              </a:tr>
-              <a:tr h="461338">
+                      <a:endParaRPr lang="en-US" dirty="0"/>
+                    </a:p>
+                  </a:txBody>
+                  <a:tcPr/>
+                </a:tc>
                 <a:tc>
                   <a:txBody>
                     <a:bodyPr/>
@@ -4552,7 +5147,7 @@
                     <a:p>
                       <a:r>
                         <a:rPr lang="en-US" dirty="0" smtClean="0"/>
-                        <a:t>BST</a:t>
+                        <a:t>O(1)</a:t>
                       </a:r>
                       <a:endParaRPr lang="en-US" dirty="0"/>
                     </a:p>
@@ -4564,517 +5159,10 @@
                     <a:bodyPr/>
                     <a:lstStyle/>
                     <a:p>
-                      <a:endParaRPr lang="en-US" dirty="0"/>
-                    </a:p>
-                  </a:txBody>
-                  <a:tcPr/>
-                </a:tc>
-                <a:tc>
-                  <a:txBody>
-                    <a:bodyPr/>
-                    <a:lstStyle/>
-                    <a:p>
-                      <a:endParaRPr lang="en-US" dirty="0"/>
-                    </a:p>
-                  </a:txBody>
-                  <a:tcPr/>
-                </a:tc>
-                <a:tc>
-                  <a:txBody>
-                    <a:bodyPr/>
-                    <a:lstStyle/>
-                    <a:p>
-                      <a:endParaRPr lang="en-US" dirty="0"/>
-                    </a:p>
-                  </a:txBody>
-                  <a:tcPr/>
-                </a:tc>
-                <a:tc>
-                  <a:txBody>
-                    <a:bodyPr/>
-                    <a:lstStyle/>
-                    <a:p>
-                      <a:endParaRPr lang="en-US" dirty="0"/>
-                    </a:p>
-                  </a:txBody>
-                  <a:tcPr/>
-                </a:tc>
-                <a:tc>
-                  <a:txBody>
-                    <a:bodyPr/>
-                    <a:lstStyle/>
-                    <a:p>
-                      <a:endParaRPr lang="en-US" dirty="0"/>
-                    </a:p>
-                  </a:txBody>
-                  <a:tcPr/>
-                </a:tc>
-                <a:tc>
-                  <a:txBody>
-                    <a:bodyPr/>
-                    <a:lstStyle/>
-                    <a:p>
-                      <a:endParaRPr lang="en-US" dirty="0"/>
-                    </a:p>
-                  </a:txBody>
-                  <a:tcPr/>
-                </a:tc>
-                <a:extLst>
-                  <a:ext uri="{0D108BD9-81ED-4DB2-BD59-A6C34878D82A}">
-                    <a16:rowId xmlns:a16="http://schemas.microsoft.com/office/drawing/2014/main" val="10008"/>
-                  </a:ext>
-                </a:extLst>
-              </a:tr>
-            </a:tbl>
-          </a:graphicData>
-        </a:graphic>
-      </p:graphicFrame>
-      <p:sp>
-        <p:nvSpPr>
-          <p:cNvPr id="5" name="TextBox 4"/>
-          <p:cNvSpPr txBox="1"/>
-          <p:nvPr/>
-        </p:nvSpPr>
-        <p:spPr>
-          <a:xfrm>
-            <a:off x="838200" y="0"/>
-            <a:ext cx="5105115" cy="553998"/>
-          </a:xfrm>
-          <a:prstGeom prst="rect">
-            <a:avLst/>
-          </a:prstGeom>
-          <a:noFill/>
-        </p:spPr>
-        <p:txBody>
-          <a:bodyPr wrap="none" rtlCol="0">
-            <a:spAutoFit/>
-          </a:bodyPr>
-          <a:lstStyle/>
-          <a:p>
-            <a:r>
-              <a:rPr lang="en-US" sz="3000" dirty="0" smtClean="0"/>
-              <a:t>Class Exercise: Time Complexity</a:t>
-            </a:r>
-            <a:endParaRPr lang="en-US" sz="3000" dirty="0"/>
-          </a:p>
-        </p:txBody>
-      </p:sp>
-    </p:spTree>
-  </p:cSld>
-  <p:clrMapOvr>
-    <a:masterClrMapping/>
-  </p:clrMapOvr>
-  <p:timing>
-    <p:tnLst>
-      <p:par>
-        <p:cTn id="1" dur="indefinite" restart="never" nodeType="tmRoot"/>
-      </p:par>
-    </p:tnLst>
-  </p:timing>
-</p:sld>
-</file>
-
-<file path=ppt/slides/slide11.xml><?xml version="1.0" encoding="utf-8"?>
-<p:sld xmlns:a="http://schemas.openxmlformats.org/drawingml/2006/main" xmlns:r="http://schemas.openxmlformats.org/officeDocument/2006/relationships" xmlns:p="http://schemas.openxmlformats.org/presentationml/2006/main">
-  <p:cSld>
-    <p:spTree>
-      <p:nvGrpSpPr>
-        <p:cNvPr id="1" name=""/>
-        <p:cNvGrpSpPr/>
-        <p:nvPr/>
-      </p:nvGrpSpPr>
-      <p:grpSpPr>
-        <a:xfrm>
-          <a:off x="0" y="0"/>
-          <a:ext cx="0" cy="0"/>
-          <a:chOff x="0" y="0"/>
-          <a:chExt cx="0" cy="0"/>
-        </a:xfrm>
-      </p:grpSpPr>
-      <p:sp>
-        <p:nvSpPr>
-          <p:cNvPr id="5" name="TextBox 4"/>
-          <p:cNvSpPr txBox="1"/>
-          <p:nvPr/>
-        </p:nvSpPr>
-        <p:spPr>
-          <a:xfrm>
-            <a:off x="838200" y="0"/>
-            <a:ext cx="5332742" cy="553998"/>
-          </a:xfrm>
-          <a:prstGeom prst="rect">
-            <a:avLst/>
-          </a:prstGeom>
-          <a:noFill/>
-        </p:spPr>
-        <p:txBody>
-          <a:bodyPr wrap="none" rtlCol="0">
-            <a:spAutoFit/>
-          </a:bodyPr>
-          <a:lstStyle/>
-          <a:p>
-            <a:r>
-              <a:rPr lang="en-US" sz="3000" dirty="0" smtClean="0"/>
-              <a:t>Class Exercise: Space Complexity</a:t>
-            </a:r>
-            <a:endParaRPr lang="en-US" sz="3000" dirty="0"/>
-          </a:p>
-        </p:txBody>
-      </p:sp>
-      <p:sp>
-        <p:nvSpPr>
-          <p:cNvPr id="6" name="Content Placeholder 5"/>
-          <p:cNvSpPr>
-            <a:spLocks noGrp="1"/>
-          </p:cNvSpPr>
-          <p:nvPr>
-            <p:ph idx="1"/>
-          </p:nvPr>
-        </p:nvSpPr>
-        <p:spPr/>
-        <p:txBody>
-          <a:bodyPr/>
-          <a:lstStyle/>
-          <a:p>
-            <a:endParaRPr lang="en-US"/>
-          </a:p>
-        </p:txBody>
-      </p:sp>
-      <p:graphicFrame>
-        <p:nvGraphicFramePr>
-          <p:cNvPr id="8" name="Content Placeholder 3"/>
-          <p:cNvGraphicFramePr>
-            <a:graphicFrameLocks/>
-          </p:cNvGraphicFramePr>
-          <p:nvPr>
-            <p:extLst>
-              <p:ext uri="{D42A27DB-BD31-4B8C-83A1-F6EECF244321}">
-                <p14:modId xmlns:p14="http://schemas.microsoft.com/office/powerpoint/2010/main" val="1736832196"/>
-              </p:ext>
-            </p:extLst>
-          </p:nvPr>
-        </p:nvGraphicFramePr>
-        <p:xfrm>
-          <a:off x="0" y="457198"/>
-          <a:ext cx="9144002" cy="5826762"/>
-        </p:xfrm>
-        <a:graphic>
-          <a:graphicData uri="http://schemas.openxmlformats.org/drawingml/2006/table">
-            <a:tbl>
-              <a:tblPr firstRow="1" bandRow="1">
-                <a:tableStyleId>{5C22544A-7EE6-4342-B048-85BDC9FD1C3A}</a:tableStyleId>
-              </a:tblPr>
-              <a:tblGrid>
-                <a:gridCol w="1524000">
-                  <a:extLst>
-                    <a:ext uri="{9D8B030D-6E8A-4147-A177-3AD203B41FA5}">
-                      <a16:colId xmlns:a16="http://schemas.microsoft.com/office/drawing/2014/main" val="20000"/>
-                    </a:ext>
-                  </a:extLst>
-                </a:gridCol>
-                <a:gridCol w="1088572">
-                  <a:extLst>
-                    <a:ext uri="{9D8B030D-6E8A-4147-A177-3AD203B41FA5}">
-                      <a16:colId xmlns:a16="http://schemas.microsoft.com/office/drawing/2014/main" val="20001"/>
-                    </a:ext>
-                  </a:extLst>
-                </a:gridCol>
-                <a:gridCol w="1306286">
-                  <a:extLst>
-                    <a:ext uri="{9D8B030D-6E8A-4147-A177-3AD203B41FA5}">
-                      <a16:colId xmlns:a16="http://schemas.microsoft.com/office/drawing/2014/main" val="20002"/>
-                    </a:ext>
-                  </a:extLst>
-                </a:gridCol>
-                <a:gridCol w="1306286">
-                  <a:extLst>
-                    <a:ext uri="{9D8B030D-6E8A-4147-A177-3AD203B41FA5}">
-                      <a16:colId xmlns:a16="http://schemas.microsoft.com/office/drawing/2014/main" val="20003"/>
-                    </a:ext>
-                  </a:extLst>
-                </a:gridCol>
-                <a:gridCol w="1306286">
-                  <a:extLst>
-                    <a:ext uri="{9D8B030D-6E8A-4147-A177-3AD203B41FA5}">
-                      <a16:colId xmlns:a16="http://schemas.microsoft.com/office/drawing/2014/main" val="20004"/>
-                    </a:ext>
-                  </a:extLst>
-                </a:gridCol>
-                <a:gridCol w="1306286">
-                  <a:extLst>
-                    <a:ext uri="{9D8B030D-6E8A-4147-A177-3AD203B41FA5}">
-                      <a16:colId xmlns:a16="http://schemas.microsoft.com/office/drawing/2014/main" val="20005"/>
-                    </a:ext>
-                  </a:extLst>
-                </a:gridCol>
-                <a:gridCol w="1306286">
-                  <a:extLst>
-                    <a:ext uri="{9D8B030D-6E8A-4147-A177-3AD203B41FA5}">
-                      <a16:colId xmlns:a16="http://schemas.microsoft.com/office/drawing/2014/main" val="20006"/>
-                    </a:ext>
-                  </a:extLst>
-                </a:gridCol>
-              </a:tblGrid>
-              <a:tr h="796282">
-                <a:tc>
-                  <a:txBody>
-                    <a:bodyPr/>
-                    <a:lstStyle/>
-                    <a:p>
-                      <a:endParaRPr lang="en-US" dirty="0"/>
-                    </a:p>
-                  </a:txBody>
-                  <a:tcPr/>
-                </a:tc>
-                <a:tc>
-                  <a:txBody>
-                    <a:bodyPr/>
-                    <a:lstStyle/>
-                    <a:p>
                       <a:r>
-                        <a:rPr lang="en-US" dirty="0" smtClean="0"/>
-                        <a:t>Add</a:t>
+                        <a:rPr lang="en-US" smtClean="0"/>
+                        <a:t>N/A</a:t>
                       </a:r>
-                      <a:r>
-                        <a:rPr lang="en-US" baseline="0" dirty="0" smtClean="0"/>
-                        <a:t> / Push</a:t>
-                      </a:r>
-                      <a:endParaRPr lang="en-US" dirty="0"/>
-                    </a:p>
-                  </a:txBody>
-                  <a:tcPr/>
-                </a:tc>
-                <a:tc>
-                  <a:txBody>
-                    <a:bodyPr/>
-                    <a:lstStyle/>
-                    <a:p>
-                      <a:r>
-                        <a:rPr lang="en-US" dirty="0" err="1" smtClean="0"/>
-                        <a:t>AddAt</a:t>
-                      </a:r>
-                      <a:endParaRPr lang="en-US" dirty="0"/>
-                    </a:p>
-                  </a:txBody>
-                  <a:tcPr/>
-                </a:tc>
-                <a:tc>
-                  <a:txBody>
-                    <a:bodyPr/>
-                    <a:lstStyle/>
-                    <a:p>
-                      <a:r>
-                        <a:rPr lang="en-US" dirty="0" smtClean="0"/>
-                        <a:t>Remove / Pop</a:t>
-                      </a:r>
-                      <a:endParaRPr lang="en-US" dirty="0"/>
-                    </a:p>
-                  </a:txBody>
-                  <a:tcPr/>
-                </a:tc>
-                <a:tc>
-                  <a:txBody>
-                    <a:bodyPr/>
-                    <a:lstStyle/>
-                    <a:p>
-                      <a:r>
-                        <a:rPr lang="en-US" dirty="0" err="1" smtClean="0"/>
-                        <a:t>RemoveAt</a:t>
-                      </a:r>
-                      <a:endParaRPr lang="en-US" dirty="0"/>
-                    </a:p>
-                  </a:txBody>
-                  <a:tcPr/>
-                </a:tc>
-                <a:tc>
-                  <a:txBody>
-                    <a:bodyPr/>
-                    <a:lstStyle/>
-                    <a:p>
-                      <a:r>
-                        <a:rPr lang="en-US" dirty="0" smtClean="0"/>
-                        <a:t>Find</a:t>
-                      </a:r>
-                      <a:endParaRPr lang="en-US" dirty="0"/>
-                    </a:p>
-                  </a:txBody>
-                  <a:tcPr/>
-                </a:tc>
-                <a:tc>
-                  <a:txBody>
-                    <a:bodyPr/>
-                    <a:lstStyle/>
-                    <a:p>
-                      <a:r>
-                        <a:rPr lang="en-US" dirty="0" smtClean="0"/>
-                        <a:t>Resize</a:t>
-                      </a:r>
-                      <a:endParaRPr lang="en-US" dirty="0"/>
-                    </a:p>
-                  </a:txBody>
-                  <a:tcPr/>
-                </a:tc>
-                <a:extLst>
-                  <a:ext uri="{0D108BD9-81ED-4DB2-BD59-A6C34878D82A}">
-                    <a16:rowId xmlns:a16="http://schemas.microsoft.com/office/drawing/2014/main" val="10000"/>
-                  </a:ext>
-                </a:extLst>
-              </a:tr>
-              <a:tr h="461338">
-                <a:tc>
-                  <a:txBody>
-                    <a:bodyPr/>
-                    <a:lstStyle/>
-                    <a:p>
-                      <a:r>
-                        <a:rPr lang="en-US" dirty="0" smtClean="0"/>
-                        <a:t>Vector</a:t>
-                      </a:r>
-                      <a:endParaRPr lang="en-US" dirty="0"/>
-                    </a:p>
-                  </a:txBody>
-                  <a:tcPr/>
-                </a:tc>
-                <a:tc>
-                  <a:txBody>
-                    <a:bodyPr/>
-                    <a:lstStyle/>
-                    <a:p>
-                      <a:endParaRPr lang="en-US" dirty="0"/>
-                    </a:p>
-                  </a:txBody>
-                  <a:tcPr/>
-                </a:tc>
-                <a:tc>
-                  <a:txBody>
-                    <a:bodyPr/>
-                    <a:lstStyle/>
-                    <a:p>
-                      <a:endParaRPr lang="en-US" dirty="0"/>
-                    </a:p>
-                  </a:txBody>
-                  <a:tcPr/>
-                </a:tc>
-                <a:tc>
-                  <a:txBody>
-                    <a:bodyPr/>
-                    <a:lstStyle/>
-                    <a:p>
-                      <a:endParaRPr lang="en-US" dirty="0"/>
-                    </a:p>
-                  </a:txBody>
-                  <a:tcPr/>
-                </a:tc>
-                <a:tc>
-                  <a:txBody>
-                    <a:bodyPr/>
-                    <a:lstStyle/>
-                    <a:p>
-                      <a:endParaRPr lang="en-US" dirty="0"/>
-                    </a:p>
-                  </a:txBody>
-                  <a:tcPr/>
-                </a:tc>
-                <a:tc>
-                  <a:txBody>
-                    <a:bodyPr/>
-                    <a:lstStyle/>
-                    <a:p>
-                      <a:endParaRPr lang="en-US" dirty="0"/>
-                    </a:p>
-                  </a:txBody>
-                  <a:tcPr/>
-                </a:tc>
-                <a:tc>
-                  <a:txBody>
-                    <a:bodyPr/>
-                    <a:lstStyle/>
-                    <a:p>
-                      <a:endParaRPr lang="en-US" dirty="0"/>
-                    </a:p>
-                  </a:txBody>
-                  <a:tcPr/>
-                </a:tc>
-                <a:extLst>
-                  <a:ext uri="{0D108BD9-81ED-4DB2-BD59-A6C34878D82A}">
-                    <a16:rowId xmlns:a16="http://schemas.microsoft.com/office/drawing/2014/main" val="10001"/>
-                  </a:ext>
-                </a:extLst>
-              </a:tr>
-              <a:tr h="461338">
-                <a:tc>
-                  <a:txBody>
-                    <a:bodyPr/>
-                    <a:lstStyle/>
-                    <a:p>
-                      <a:r>
-                        <a:rPr lang="en-US" dirty="0" smtClean="0"/>
-                        <a:t>Linked</a:t>
-                      </a:r>
-                      <a:r>
-                        <a:rPr lang="en-US" baseline="0" dirty="0" smtClean="0"/>
-                        <a:t> List</a:t>
-                      </a:r>
-                      <a:endParaRPr lang="en-US" dirty="0"/>
-                    </a:p>
-                  </a:txBody>
-                  <a:tcPr/>
-                </a:tc>
-                <a:tc>
-                  <a:txBody>
-                    <a:bodyPr/>
-                    <a:lstStyle/>
-                    <a:p>
-                      <a:endParaRPr lang="en-US" dirty="0"/>
-                    </a:p>
-                  </a:txBody>
-                  <a:tcPr/>
-                </a:tc>
-                <a:tc>
-                  <a:txBody>
-                    <a:bodyPr/>
-                    <a:lstStyle/>
-                    <a:p>
-                      <a:endParaRPr lang="en-US" dirty="0"/>
-                    </a:p>
-                  </a:txBody>
-                  <a:tcPr/>
-                </a:tc>
-                <a:tc>
-                  <a:txBody>
-                    <a:bodyPr/>
-                    <a:lstStyle/>
-                    <a:p>
-                      <a:endParaRPr lang="en-US" dirty="0"/>
-                    </a:p>
-                  </a:txBody>
-                  <a:tcPr/>
-                </a:tc>
-                <a:tc>
-                  <a:txBody>
-                    <a:bodyPr/>
-                    <a:lstStyle/>
-                    <a:p>
-                      <a:endParaRPr lang="en-US" dirty="0"/>
-                    </a:p>
-                  </a:txBody>
-                  <a:tcPr/>
-                </a:tc>
-                <a:tc>
-                  <a:txBody>
-                    <a:bodyPr/>
-                    <a:lstStyle/>
-                    <a:p>
-                      <a:endParaRPr lang="en-US" dirty="0"/>
-                    </a:p>
-                  </a:txBody>
-                  <a:tcPr/>
-                </a:tc>
-                <a:tc>
-                  <a:txBody>
-                    <a:bodyPr/>
-                    <a:lstStyle/>
-                    <a:p>
                       <a:endParaRPr lang="en-US" dirty="0"/>
                     </a:p>
                   </a:txBody>
@@ -5986,14 +6074,7 @@
                 <a:latin typeface="Consolas" pitchFamily="49" charset="0"/>
                 <a:cs typeface="Consolas" pitchFamily="49" charset="0"/>
               </a:rPr>
-              <a:t>   </a:t>
-            </a:r>
-            <a:r>
-              <a:rPr lang="en-US" dirty="0" smtClean="0">
-                <a:latin typeface="Consolas" pitchFamily="49" charset="0"/>
-                <a:cs typeface="Consolas" pitchFamily="49" charset="0"/>
-              </a:rPr>
-              <a:t>}</a:t>
+              <a:t>   }</a:t>
             </a:r>
           </a:p>
           <a:p>
